--- a/基础PPT/JavaSE进阶第二版/第15章：Java XML简介.pptx
+++ b/基础PPT/JavaSE进阶第二版/第15章：Java XML简介.pptx
@@ -11497,6 +11497,24 @@
                 <a:cs typeface="+mj-ea"/>
                 <a:sym typeface="+mn-ea"/>
               </a:rPr>
+              <a:t>1</a:t>
+            </a:r>
+            <a:r>
+              <a:rPr lang="zh-CN" altLang="en-US">
+                <a:latin typeface="+mj-ea"/>
+                <a:ea typeface="+mj-ea"/>
+                <a:cs typeface="+mj-ea"/>
+                <a:sym typeface="+mn-ea"/>
+              </a:rPr>
+              <a:t>、</a:t>
+            </a:r>
+            <a:r>
+              <a:rPr lang="en-US" altLang="zh-CN">
+                <a:latin typeface="+mj-ea"/>
+                <a:ea typeface="+mj-ea"/>
+                <a:cs typeface="+mj-ea"/>
+                <a:sym typeface="+mn-ea"/>
+              </a:rPr>
               <a:t>XML </a:t>
             </a:r>
             <a:r>
@@ -11546,6 +11564,24 @@
                 <a:cs typeface="+mj-ea"/>
                 <a:sym typeface="+mn-ea"/>
               </a:rPr>
+              <a:t>2</a:t>
+            </a:r>
+            <a:r>
+              <a:rPr lang="zh-CN" altLang="en-US">
+                <a:latin typeface="+mj-ea"/>
+                <a:ea typeface="+mj-ea"/>
+                <a:cs typeface="+mj-ea"/>
+                <a:sym typeface="+mn-ea"/>
+              </a:rPr>
+              <a:t>、</a:t>
+            </a:r>
+            <a:r>
+              <a:rPr lang="en-US">
+                <a:latin typeface="+mj-ea"/>
+                <a:ea typeface="+mj-ea"/>
+                <a:cs typeface="+mj-ea"/>
+                <a:sym typeface="+mn-ea"/>
+              </a:rPr>
               <a:t>CDATA </a:t>
             </a:r>
             <a:r>
@@ -11592,6 +11628,24 @@
                 <a:cs typeface="+mj-ea"/>
                 <a:sym typeface="+mn-ea"/>
               </a:rPr>
+              <a:t>3</a:t>
+            </a:r>
+            <a:r>
+              <a:rPr lang="zh-CN" altLang="en-US">
+                <a:latin typeface="+mj-ea"/>
+                <a:ea typeface="+mj-ea"/>
+                <a:cs typeface="+mj-ea"/>
+                <a:sym typeface="+mn-ea"/>
+              </a:rPr>
+              <a:t>、</a:t>
+            </a:r>
+            <a:r>
+              <a:rPr lang="en-US">
+                <a:latin typeface="+mj-ea"/>
+                <a:ea typeface="+mj-ea"/>
+                <a:cs typeface="+mj-ea"/>
+                <a:sym typeface="+mn-ea"/>
+              </a:rPr>
               <a:t>dom4j</a:t>
             </a:r>
             <a:endParaRPr lang="en-US">
@@ -11629,6 +11683,24 @@
                 <a:cs typeface="+mj-ea"/>
                 <a:sym typeface="+mn-ea"/>
               </a:rPr>
+              <a:t>4</a:t>
+            </a:r>
+            <a:r>
+              <a:rPr lang="zh-CN" altLang="en-US">
+                <a:latin typeface="+mj-ea"/>
+                <a:ea typeface="+mj-ea"/>
+                <a:cs typeface="+mj-ea"/>
+                <a:sym typeface="+mn-ea"/>
+              </a:rPr>
+              <a:t>、</a:t>
+            </a:r>
+            <a:r>
+              <a:rPr lang="en-US">
+                <a:latin typeface="+mj-ea"/>
+                <a:ea typeface="+mj-ea"/>
+                <a:cs typeface="+mj-ea"/>
+                <a:sym typeface="+mn-ea"/>
+              </a:rPr>
               <a:t>dom4j-dom</a:t>
             </a:r>
             <a:endParaRPr lang="en-US">
@@ -11669,6 +11741,24 @@
                 <a:cs typeface="+mj-ea"/>
                 <a:sym typeface="+mn-ea"/>
               </a:rPr>
+              <a:t>5</a:t>
+            </a:r>
+            <a:r>
+              <a:rPr lang="zh-CN" altLang="en-US">
+                <a:latin typeface="+mj-ea"/>
+                <a:ea typeface="+mj-ea"/>
+                <a:cs typeface="+mj-ea"/>
+                <a:sym typeface="+mn-ea"/>
+              </a:rPr>
+              <a:t>、</a:t>
+            </a:r>
+            <a:r>
+              <a:rPr lang="en-US">
+                <a:latin typeface="+mj-ea"/>
+                <a:ea typeface="+mj-ea"/>
+                <a:cs typeface="+mj-ea"/>
+                <a:sym typeface="+mn-ea"/>
+              </a:rPr>
               <a:t>dom4j-sax</a:t>
             </a:r>
             <a:endParaRPr lang="en-US">
@@ -11699,6 +11789,24 @@
           </a:bodyPr>
           <a:p>
             <a:pPr algn="l"/>
+            <a:r>
+              <a:rPr lang="en-US">
+                <a:latin typeface="+mj-ea"/>
+                <a:ea typeface="+mj-ea"/>
+                <a:cs typeface="+mj-ea"/>
+                <a:sym typeface="+mn-ea"/>
+              </a:rPr>
+              <a:t>6</a:t>
+            </a:r>
+            <a:r>
+              <a:rPr lang="zh-CN" altLang="en-US">
+                <a:latin typeface="+mj-ea"/>
+                <a:ea typeface="+mj-ea"/>
+                <a:cs typeface="+mj-ea"/>
+                <a:sym typeface="+mn-ea"/>
+              </a:rPr>
+              <a:t>、</a:t>
+            </a:r>
             <a:r>
               <a:rPr lang="en-US">
                 <a:latin typeface="+mj-ea"/>
